--- a/Presentation/Presentation.pptx
+++ b/Presentation/Presentation.pptx
@@ -13842,8 +13842,13 @@
             </a:r>
             <a:r>
               <a:rPr lang="fr-FR" noProof="0" dirty="0"/>
-              <a:t> </a:t>
-            </a:r>
+              <a:t> et </a:t>
+            </a:r>
+            <a:r>
+              <a:rPr lang="fr-FR" noProof="0"/>
+              <a:t>StandardScaler</a:t>
+            </a:r>
+            <a:endParaRPr lang="fr-FR" noProof="0" dirty="0"/>
           </a:p>
           <a:p>
             <a:pPr>
@@ -14103,7 +14108,7 @@
         </p:blipFill>
         <p:spPr>
           <a:xfrm>
-            <a:off x="430568" y="736086"/>
+            <a:off x="680309" y="729364"/>
             <a:ext cx="5166370" cy="5385827"/>
           </a:xfrm>
           <a:prstGeom prst="rect">
@@ -14199,7 +14204,7 @@
         </p:blipFill>
         <p:spPr>
           <a:xfrm>
-            <a:off x="6672683" y="731513"/>
+            <a:off x="6672683" y="720220"/>
             <a:ext cx="5175514" cy="5394971"/>
           </a:xfrm>
           <a:prstGeom prst="rect">
@@ -14207,6 +14212,218 @@
           </a:prstGeom>
         </p:spPr>
       </p:pic>
+      <p:sp>
+        <p:nvSpPr>
+          <p:cNvPr id="6" name="Rectangle : coins arrondis 5">
+            <a:extLst>
+              <a:ext uri="{FF2B5EF4-FFF2-40B4-BE49-F238E27FC236}">
+                <a16:creationId xmlns:a16="http://schemas.microsoft.com/office/drawing/2014/main" id="{1C0FCD60-910D-DFD1-3DA7-D8618CAB2930}"/>
+              </a:ext>
+            </a:extLst>
+          </p:cNvPr>
+          <p:cNvSpPr/>
+          <p:nvPr/>
+        </p:nvSpPr>
+        <p:spPr>
+          <a:xfrm>
+            <a:off x="1859622" y="2250040"/>
+            <a:ext cx="567892" cy="351646"/>
+          </a:xfrm>
+          <a:prstGeom prst="roundRect">
+            <a:avLst/>
+          </a:prstGeom>
+          <a:noFill/>
+          <a:ln>
+            <a:noFill/>
+          </a:ln>
+        </p:spPr>
+        <p:style>
+          <a:lnRef idx="2">
+            <a:schemeClr val="accent1">
+              <a:shade val="15000"/>
+            </a:schemeClr>
+          </a:lnRef>
+          <a:fillRef idx="1">
+            <a:schemeClr val="accent1"/>
+          </a:fillRef>
+          <a:effectRef idx="0">
+            <a:schemeClr val="accent1"/>
+          </a:effectRef>
+          <a:fontRef idx="minor">
+            <a:schemeClr val="lt1"/>
+          </a:fontRef>
+        </p:style>
+        <p:txBody>
+          <a:bodyPr rtlCol="0" anchor="ctr"/>
+          <a:lstStyle/>
+          <a:p>
+            <a:pPr algn="ctr"/>
+            <a:r>
+              <a:rPr lang="fr-FR" sz="1400" dirty="0"/>
+              <a:t>70</a:t>
+            </a:r>
+          </a:p>
+        </p:txBody>
+      </p:sp>
+      <p:sp>
+        <p:nvSpPr>
+          <p:cNvPr id="7" name="Rectangle : coins arrondis 6">
+            <a:extLst>
+              <a:ext uri="{FF2B5EF4-FFF2-40B4-BE49-F238E27FC236}">
+                <a16:creationId xmlns:a16="http://schemas.microsoft.com/office/drawing/2014/main" id="{59666329-2B47-B00C-3C37-75FDA3012F13}"/>
+              </a:ext>
+            </a:extLst>
+          </p:cNvPr>
+          <p:cNvSpPr/>
+          <p:nvPr/>
+        </p:nvSpPr>
+        <p:spPr>
+          <a:xfrm>
+            <a:off x="3788229" y="4201886"/>
+            <a:ext cx="620485" cy="326571"/>
+          </a:xfrm>
+          <a:prstGeom prst="roundRect">
+            <a:avLst/>
+          </a:prstGeom>
+          <a:noFill/>
+          <a:ln>
+            <a:noFill/>
+          </a:ln>
+        </p:spPr>
+        <p:style>
+          <a:lnRef idx="2">
+            <a:schemeClr val="accent1">
+              <a:shade val="15000"/>
+            </a:schemeClr>
+          </a:lnRef>
+          <a:fillRef idx="1">
+            <a:schemeClr val="accent1"/>
+          </a:fillRef>
+          <a:effectRef idx="0">
+            <a:schemeClr val="accent1"/>
+          </a:effectRef>
+          <a:fontRef idx="minor">
+            <a:schemeClr val="lt1"/>
+          </a:fontRef>
+        </p:style>
+        <p:txBody>
+          <a:bodyPr rtlCol="0" anchor="ctr"/>
+          <a:lstStyle/>
+          <a:p>
+            <a:pPr algn="ctr"/>
+            <a:r>
+              <a:rPr lang="fr-FR" sz="1400" dirty="0"/>
+              <a:t>41</a:t>
+            </a:r>
+          </a:p>
+        </p:txBody>
+      </p:sp>
+      <p:sp>
+        <p:nvSpPr>
+          <p:cNvPr id="8" name="Rectangle : coins arrondis 7">
+            <a:extLst>
+              <a:ext uri="{FF2B5EF4-FFF2-40B4-BE49-F238E27FC236}">
+                <a16:creationId xmlns:a16="http://schemas.microsoft.com/office/drawing/2014/main" id="{2DA1BF86-97D6-53CB-FDB7-6ADE4B665327}"/>
+              </a:ext>
+            </a:extLst>
+          </p:cNvPr>
+          <p:cNvSpPr/>
+          <p:nvPr/>
+        </p:nvSpPr>
+        <p:spPr>
+          <a:xfrm>
+            <a:off x="7848600" y="2196502"/>
+            <a:ext cx="674915" cy="438731"/>
+          </a:xfrm>
+          <a:prstGeom prst="roundRect">
+            <a:avLst/>
+          </a:prstGeom>
+          <a:noFill/>
+          <a:ln>
+            <a:noFill/>
+          </a:ln>
+        </p:spPr>
+        <p:style>
+          <a:lnRef idx="2">
+            <a:schemeClr val="accent1">
+              <a:shade val="15000"/>
+            </a:schemeClr>
+          </a:lnRef>
+          <a:fillRef idx="1">
+            <a:schemeClr val="accent1"/>
+          </a:fillRef>
+          <a:effectRef idx="0">
+            <a:schemeClr val="accent1"/>
+          </a:effectRef>
+          <a:fontRef idx="minor">
+            <a:schemeClr val="lt1"/>
+          </a:fontRef>
+        </p:style>
+        <p:txBody>
+          <a:bodyPr rtlCol="0" anchor="ctr"/>
+          <a:lstStyle/>
+          <a:p>
+            <a:pPr algn="ctr"/>
+            <a:r>
+              <a:rPr lang="fr-FR" sz="1200" dirty="0"/>
+              <a:t>55</a:t>
+            </a:r>
+          </a:p>
+        </p:txBody>
+      </p:sp>
+      <p:sp>
+        <p:nvSpPr>
+          <p:cNvPr id="10" name="Rectangle : coins arrondis 9">
+            <a:extLst>
+              <a:ext uri="{FF2B5EF4-FFF2-40B4-BE49-F238E27FC236}">
+                <a16:creationId xmlns:a16="http://schemas.microsoft.com/office/drawing/2014/main" id="{71F5FF50-CCFB-984E-ADE5-A047C0529525}"/>
+              </a:ext>
+            </a:extLst>
+          </p:cNvPr>
+          <p:cNvSpPr/>
+          <p:nvPr/>
+        </p:nvSpPr>
+        <p:spPr>
+          <a:xfrm>
+            <a:off x="9742714" y="4136571"/>
+            <a:ext cx="740229" cy="457200"/>
+          </a:xfrm>
+          <a:prstGeom prst="roundRect">
+            <a:avLst/>
+          </a:prstGeom>
+          <a:noFill/>
+          <a:ln>
+            <a:noFill/>
+          </a:ln>
+        </p:spPr>
+        <p:style>
+          <a:lnRef idx="2">
+            <a:schemeClr val="accent1">
+              <a:shade val="15000"/>
+            </a:schemeClr>
+          </a:lnRef>
+          <a:fillRef idx="1">
+            <a:schemeClr val="accent1"/>
+          </a:fillRef>
+          <a:effectRef idx="0">
+            <a:schemeClr val="accent1"/>
+          </a:effectRef>
+          <a:fontRef idx="minor">
+            <a:schemeClr val="lt1"/>
+          </a:fontRef>
+        </p:style>
+        <p:txBody>
+          <a:bodyPr rtlCol="0" anchor="ctr"/>
+          <a:lstStyle/>
+          <a:p>
+            <a:pPr algn="ctr"/>
+            <a:r>
+              <a:rPr lang="fr-FR" sz="1200" dirty="0"/>
+              <a:t>32</a:t>
+            </a:r>
+          </a:p>
+        </p:txBody>
+      </p:sp>
     </p:spTree>
     <p:extLst>
       <p:ext uri="{BB962C8B-B14F-4D97-AF65-F5344CB8AC3E}">
@@ -14331,7 +14548,7 @@
         </p:blipFill>
         <p:spPr>
           <a:xfrm>
-            <a:off x="6200072" y="351371"/>
+            <a:off x="6258690" y="283399"/>
             <a:ext cx="4680261" cy="4878718"/>
           </a:xfrm>
           <a:prstGeom prst="rect">
@@ -14369,6 +14586,218 @@
           </a:prstGeom>
         </p:spPr>
       </p:pic>
+      <p:sp>
+        <p:nvSpPr>
+          <p:cNvPr id="2" name="Rectangle : coins arrondis 1">
+            <a:extLst>
+              <a:ext uri="{FF2B5EF4-FFF2-40B4-BE49-F238E27FC236}">
+                <a16:creationId xmlns:a16="http://schemas.microsoft.com/office/drawing/2014/main" id="{38319ADA-9646-CFA3-F811-FDA734D786D9}"/>
+              </a:ext>
+            </a:extLst>
+          </p:cNvPr>
+          <p:cNvSpPr/>
+          <p:nvPr/>
+        </p:nvSpPr>
+        <p:spPr>
+          <a:xfrm>
+            <a:off x="1578429" y="1650763"/>
+            <a:ext cx="566058" cy="424543"/>
+          </a:xfrm>
+          <a:prstGeom prst="roundRect">
+            <a:avLst/>
+          </a:prstGeom>
+          <a:noFill/>
+          <a:ln>
+            <a:noFill/>
+          </a:ln>
+        </p:spPr>
+        <p:style>
+          <a:lnRef idx="2">
+            <a:schemeClr val="accent1">
+              <a:shade val="15000"/>
+            </a:schemeClr>
+          </a:lnRef>
+          <a:fillRef idx="1">
+            <a:schemeClr val="accent1"/>
+          </a:fillRef>
+          <a:effectRef idx="0">
+            <a:schemeClr val="accent1"/>
+          </a:effectRef>
+          <a:fontRef idx="minor">
+            <a:schemeClr val="lt1"/>
+          </a:fontRef>
+        </p:style>
+        <p:txBody>
+          <a:bodyPr rtlCol="0" anchor="ctr"/>
+          <a:lstStyle/>
+          <a:p>
+            <a:pPr algn="ctr"/>
+            <a:r>
+              <a:rPr lang="fr-FR" sz="1200" dirty="0"/>
+              <a:t>69</a:t>
+            </a:r>
+          </a:p>
+        </p:txBody>
+      </p:sp>
+      <p:sp>
+        <p:nvSpPr>
+          <p:cNvPr id="6" name="Rectangle : coins arrondis 5">
+            <a:extLst>
+              <a:ext uri="{FF2B5EF4-FFF2-40B4-BE49-F238E27FC236}">
+                <a16:creationId xmlns:a16="http://schemas.microsoft.com/office/drawing/2014/main" id="{DDC48B33-1A9D-D12C-E765-8F2B3DF27EA9}"/>
+              </a:ext>
+            </a:extLst>
+          </p:cNvPr>
+          <p:cNvSpPr/>
+          <p:nvPr/>
+        </p:nvSpPr>
+        <p:spPr>
+          <a:xfrm>
+            <a:off x="3276600" y="3289063"/>
+            <a:ext cx="674914" cy="587829"/>
+          </a:xfrm>
+          <a:prstGeom prst="roundRect">
+            <a:avLst/>
+          </a:prstGeom>
+          <a:noFill/>
+          <a:ln>
+            <a:noFill/>
+          </a:ln>
+        </p:spPr>
+        <p:style>
+          <a:lnRef idx="2">
+            <a:schemeClr val="accent1">
+              <a:shade val="15000"/>
+            </a:schemeClr>
+          </a:lnRef>
+          <a:fillRef idx="1">
+            <a:schemeClr val="accent1"/>
+          </a:fillRef>
+          <a:effectRef idx="0">
+            <a:schemeClr val="accent1"/>
+          </a:effectRef>
+          <a:fontRef idx="minor">
+            <a:schemeClr val="lt1"/>
+          </a:fontRef>
+        </p:style>
+        <p:txBody>
+          <a:bodyPr rtlCol="0" anchor="ctr"/>
+          <a:lstStyle/>
+          <a:p>
+            <a:pPr algn="ctr"/>
+            <a:r>
+              <a:rPr lang="fr-FR" sz="1200" dirty="0"/>
+              <a:t>40</a:t>
+            </a:r>
+          </a:p>
+        </p:txBody>
+      </p:sp>
+      <p:sp>
+        <p:nvSpPr>
+          <p:cNvPr id="8" name="Rectangle : coins arrondis 7">
+            <a:extLst>
+              <a:ext uri="{FF2B5EF4-FFF2-40B4-BE49-F238E27FC236}">
+                <a16:creationId xmlns:a16="http://schemas.microsoft.com/office/drawing/2014/main" id="{9AF6CE22-6A6F-335F-890D-CA16093146FA}"/>
+              </a:ext>
+            </a:extLst>
+          </p:cNvPr>
+          <p:cNvSpPr/>
+          <p:nvPr/>
+        </p:nvSpPr>
+        <p:spPr>
+          <a:xfrm>
+            <a:off x="7260772" y="1608797"/>
+            <a:ext cx="664029" cy="379423"/>
+          </a:xfrm>
+          <a:prstGeom prst="roundRect">
+            <a:avLst/>
+          </a:prstGeom>
+          <a:noFill/>
+          <a:ln>
+            <a:noFill/>
+          </a:ln>
+        </p:spPr>
+        <p:style>
+          <a:lnRef idx="2">
+            <a:schemeClr val="accent1">
+              <a:shade val="15000"/>
+            </a:schemeClr>
+          </a:lnRef>
+          <a:fillRef idx="1">
+            <a:schemeClr val="accent1"/>
+          </a:fillRef>
+          <a:effectRef idx="0">
+            <a:schemeClr val="accent1"/>
+          </a:effectRef>
+          <a:fontRef idx="minor">
+            <a:schemeClr val="lt1"/>
+          </a:fontRef>
+        </p:style>
+        <p:txBody>
+          <a:bodyPr rtlCol="0" anchor="ctr"/>
+          <a:lstStyle/>
+          <a:p>
+            <a:pPr algn="ctr"/>
+            <a:r>
+              <a:rPr lang="fr-FR" sz="1200" dirty="0"/>
+              <a:t>69</a:t>
+            </a:r>
+          </a:p>
+        </p:txBody>
+      </p:sp>
+      <p:sp>
+        <p:nvSpPr>
+          <p:cNvPr id="9" name="Rectangle : coins arrondis 8">
+            <a:extLst>
+              <a:ext uri="{FF2B5EF4-FFF2-40B4-BE49-F238E27FC236}">
+                <a16:creationId xmlns:a16="http://schemas.microsoft.com/office/drawing/2014/main" id="{B89DC2EE-8DA1-A423-5FE0-2E64A776BFEA}"/>
+              </a:ext>
+            </a:extLst>
+          </p:cNvPr>
+          <p:cNvSpPr/>
+          <p:nvPr/>
+        </p:nvSpPr>
+        <p:spPr>
+          <a:xfrm>
+            <a:off x="9024258" y="3359031"/>
+            <a:ext cx="696685" cy="447892"/>
+          </a:xfrm>
+          <a:prstGeom prst="roundRect">
+            <a:avLst/>
+          </a:prstGeom>
+          <a:noFill/>
+          <a:ln>
+            <a:noFill/>
+          </a:ln>
+        </p:spPr>
+        <p:style>
+          <a:lnRef idx="2">
+            <a:schemeClr val="accent1">
+              <a:shade val="15000"/>
+            </a:schemeClr>
+          </a:lnRef>
+          <a:fillRef idx="1">
+            <a:schemeClr val="accent1"/>
+          </a:fillRef>
+          <a:effectRef idx="0">
+            <a:schemeClr val="accent1"/>
+          </a:effectRef>
+          <a:fontRef idx="minor">
+            <a:schemeClr val="lt1"/>
+          </a:fontRef>
+        </p:style>
+        <p:txBody>
+          <a:bodyPr rtlCol="0" anchor="ctr"/>
+          <a:lstStyle/>
+          <a:p>
+            <a:pPr algn="ctr"/>
+            <a:r>
+              <a:rPr lang="fr-FR" sz="1200" dirty="0"/>
+              <a:t>41</a:t>
+            </a:r>
+          </a:p>
+        </p:txBody>
+      </p:sp>
     </p:spTree>
     <p:extLst>
       <p:ext uri="{BB962C8B-B14F-4D97-AF65-F5344CB8AC3E}">
